--- a/meeting/NIST_204_ML_DSA_08_06.pptx
+++ b/meeting/NIST_204_ML_DSA_08_06.pptx
@@ -155,34 +155,6 @@
 </p:presentation>
 </file>
 
-<file path=ppt/ink/ink1.xml><?xml version="1.0" encoding="utf-8"?>
-<inkml:ink xmlns:inkml="http://www.w3.org/2003/InkML">
-  <inkml:definitions>
-    <inkml:context xml:id="ctx0">
-      <inkml:inkSource xml:id="inkSrc0">
-        <inkml:traceFormat>
-          <inkml:channel name="X" type="integer" max="1920" units="cm"/>
-          <inkml:channel name="Y" type="integer" max="1080" units="cm"/>
-          <inkml:channel name="T" type="integer" max="2.14748E9" units="dev"/>
-        </inkml:traceFormat>
-        <inkml:channelProperties>
-          <inkml:channelProperty channel="X" name="resolution" value="55.81395" units="1/cm"/>
-          <inkml:channelProperty channel="Y" name="resolution" value="55.6701" units="1/cm"/>
-          <inkml:channelProperty channel="T" name="resolution" value="1" units="1/dev"/>
-        </inkml:channelProperties>
-      </inkml:inkSource>
-      <inkml:timestamp xml:id="ts0" timeString="2024-08-06T02:15:16.297"/>
-    </inkml:context>
-    <inkml:brush xml:id="br0">
-      <inkml:brushProperty name="width" value="0.05292" units="cm"/>
-      <inkml:brushProperty name="height" value="0.05292" units="cm"/>
-      <inkml:brushProperty name="color" value="#FF0000"/>
-    </inkml:brush>
-  </inkml:definitions>
-  <inkml:trace contextRef="#ctx0" brushRef="#br0">1724 3024 0,'0'28'47,"29"425"-31,-29-256-1,56-27 1,1-57-1,-57-85 1,0 1 62,0-58-47,0 1-15,0 0-16,0-57 16,28 28-1,-28-27 1,0 55 0,0 1-1,-28 28 63,0 0-62</inkml:trace>
-</inkml:ink>
-</file>
-
 <file path=ppt/notesMasters/notesMaster1.xml><?xml version="1.0" encoding="utf-8"?>
 <p:notesMaster xmlns:a="http://schemas.openxmlformats.org/drawingml/2006/main" xmlns:r="http://schemas.openxmlformats.org/officeDocument/2006/relationships" xmlns:p="http://schemas.openxmlformats.org/presentationml/2006/main">
   <p:cSld>
@@ -265,7 +237,7 @@
           <a:p>
             <a:fld id="{7FA6D290-1F44-4E5A-AFA0-4DB5D7863AEB}" type="datetimeFigureOut">
               <a:rPr lang="zh-CN" altLang="en-US" smtClean="0"/>
-              <a:t>2024/8/6</a:t>
+              <a:t>2024/10/3</a:t>
             </a:fld>
             <a:endParaRPr lang="zh-CN" altLang="en-US"/>
           </a:p>
@@ -5173,7 +5145,7 @@
           <a:p>
             <a:fld id="{D997B5FA-0921-464F-AAE1-844C04324D75}" type="datetimeFigureOut">
               <a:rPr lang="zh-CN" altLang="en-US" smtClean="0"/>
-              <a:t>2024/8/6</a:t>
+              <a:t>2024/10/3</a:t>
             </a:fld>
             <a:endParaRPr lang="zh-CN" altLang="en-US"/>
           </a:p>
@@ -5341,7 +5313,7 @@
           <a:p>
             <a:fld id="{D997B5FA-0921-464F-AAE1-844C04324D75}" type="datetimeFigureOut">
               <a:rPr lang="zh-CN" altLang="en-US" smtClean="0"/>
-              <a:t>2024/8/6</a:t>
+              <a:t>2024/10/3</a:t>
             </a:fld>
             <a:endParaRPr lang="zh-CN" altLang="en-US"/>
           </a:p>
@@ -5519,7 +5491,7 @@
           <a:p>
             <a:fld id="{D997B5FA-0921-464F-AAE1-844C04324D75}" type="datetimeFigureOut">
               <a:rPr lang="zh-CN" altLang="en-US" smtClean="0"/>
-              <a:t>2024/8/6</a:t>
+              <a:t>2024/10/3</a:t>
             </a:fld>
             <a:endParaRPr lang="zh-CN" altLang="en-US"/>
           </a:p>
@@ -5777,7 +5749,7 @@
           <a:p>
             <a:fld id="{D997B5FA-0921-464F-AAE1-844C04324D75}" type="datetimeFigureOut">
               <a:rPr lang="zh-CN" altLang="en-US" smtClean="0"/>
-              <a:t>2024/8/6</a:t>
+              <a:t>2024/10/3</a:t>
             </a:fld>
             <a:endParaRPr lang="zh-CN" altLang="en-US"/>
           </a:p>
@@ -6022,7 +5994,7 @@
           <a:p>
             <a:fld id="{D997B5FA-0921-464F-AAE1-844C04324D75}" type="datetimeFigureOut">
               <a:rPr lang="zh-CN" altLang="en-US" smtClean="0"/>
-              <a:t>2024/8/6</a:t>
+              <a:t>2024/10/3</a:t>
             </a:fld>
             <a:endParaRPr lang="zh-CN" altLang="en-US"/>
           </a:p>
@@ -6251,7 +6223,7 @@
           <a:p>
             <a:fld id="{D997B5FA-0921-464F-AAE1-844C04324D75}" type="datetimeFigureOut">
               <a:rPr lang="zh-CN" altLang="en-US" smtClean="0"/>
-              <a:t>2024/8/6</a:t>
+              <a:t>2024/10/3</a:t>
             </a:fld>
             <a:endParaRPr lang="zh-CN" altLang="en-US"/>
           </a:p>
@@ -6615,7 +6587,7 @@
           <a:p>
             <a:fld id="{D997B5FA-0921-464F-AAE1-844C04324D75}" type="datetimeFigureOut">
               <a:rPr lang="zh-CN" altLang="en-US" smtClean="0"/>
-              <a:t>2024/8/6</a:t>
+              <a:t>2024/10/3</a:t>
             </a:fld>
             <a:endParaRPr lang="zh-CN" altLang="en-US"/>
           </a:p>
@@ -6799,7 +6771,7 @@
           <a:p>
             <a:fld id="{D997B5FA-0921-464F-AAE1-844C04324D75}" type="datetimeFigureOut">
               <a:rPr lang="zh-CN" altLang="en-US" smtClean="0"/>
-              <a:t>2024/8/6</a:t>
+              <a:t>2024/10/3</a:t>
             </a:fld>
             <a:endParaRPr lang="zh-CN" altLang="en-US"/>
           </a:p>
@@ -7081,7 +7053,7 @@
           <a:p>
             <a:fld id="{D997B5FA-0921-464F-AAE1-844C04324D75}" type="datetimeFigureOut">
               <a:rPr lang="zh-CN" altLang="en-US" smtClean="0"/>
-              <a:t>2024/8/6</a:t>
+              <a:t>2024/10/3</a:t>
             </a:fld>
             <a:endParaRPr lang="zh-CN" altLang="en-US"/>
           </a:p>
@@ -7295,7 +7267,7 @@
           <a:p>
             <a:fld id="{D997B5FA-0921-464F-AAE1-844C04324D75}" type="datetimeFigureOut">
               <a:rPr lang="zh-CN" altLang="en-US" smtClean="0"/>
-              <a:t>2024/8/6</a:t>
+              <a:t>2024/10/3</a:t>
             </a:fld>
             <a:endParaRPr lang="zh-CN" altLang="en-US"/>
           </a:p>
@@ -10753,57 +10725,6 @@
           </a:effectLst>
         </p:spPr>
       </p:pic>
-      <mc:AlternateContent xmlns:mc="http://schemas.openxmlformats.org/markup-compatibility/2006">
-        <mc:Choice xmlns:p14="http://schemas.microsoft.com/office/powerpoint/2010/main" Requires="p14">
-          <p:contentPart p14:bwMode="auto" r:id="rId4">
-            <p14:nvContentPartPr>
-              <p14:cNvPr id="3" name="筆跡 2">
-                <a:extLst>
-                  <a:ext uri="{FF2B5EF4-FFF2-40B4-BE49-F238E27FC236}">
-                    <a16:creationId xmlns:a16="http://schemas.microsoft.com/office/drawing/2014/main" id="{9CC2DB36-AA1D-431B-8925-C16EA39718EE}"/>
-                  </a:ext>
-                </a:extLst>
-              </p14:cNvPr>
-              <p14:cNvContentPartPr/>
-              <p14:nvPr/>
-            </p14:nvContentPartPr>
-            <p14:xfrm>
-              <a:off x="620640" y="1088640"/>
-              <a:ext cx="61560" cy="366840"/>
-            </p14:xfrm>
-          </p:contentPart>
-        </mc:Choice>
-        <mc:Fallback>
-          <p:pic>
-            <p:nvPicPr>
-              <p:cNvPr id="3" name="筆跡 2">
-                <a:extLst>
-                  <a:ext uri="{FF2B5EF4-FFF2-40B4-BE49-F238E27FC236}">
-                    <a16:creationId xmlns:a16="http://schemas.microsoft.com/office/drawing/2014/main" id="{9CC2DB36-AA1D-431B-8925-C16EA39718EE}"/>
-                  </a:ext>
-                </a:extLst>
-              </p:cNvPr>
-              <p:cNvPicPr/>
-              <p:nvPr/>
-            </p:nvPicPr>
-            <p:blipFill>
-              <a:blip r:embed="rId5"/>
-              <a:stretch>
-                <a:fillRect/>
-              </a:stretch>
-            </p:blipFill>
-            <p:spPr>
-              <a:xfrm>
-                <a:off x="611280" y="1079280"/>
-                <a:ext cx="80280" cy="385560"/>
-              </a:xfrm>
-              <a:prstGeom prst="rect">
-                <a:avLst/>
-              </a:prstGeom>
-            </p:spPr>
-          </p:pic>
-        </mc:Fallback>
-      </mc:AlternateContent>
     </p:spTree>
     <p:extLst>
       <p:ext uri="{BB962C8B-B14F-4D97-AF65-F5344CB8AC3E}">
@@ -27060,8 +26981,8 @@
           </a:p>
         </p:txBody>
       </p:sp>
-      <mc:AlternateContent xmlns:mc="http://schemas.openxmlformats.org/markup-compatibility/2006">
-        <mc:Choice xmlns:a14="http://schemas.microsoft.com/office/drawing/2010/main" Requires="a14">
+      <mc:AlternateContent xmlns:mc="http://schemas.openxmlformats.org/markup-compatibility/2006" xmlns:a14="http://schemas.microsoft.com/office/drawing/2010/main">
+        <mc:Choice Requires="a14">
           <p:sp>
             <p:nvSpPr>
               <p:cNvPr id="3" name="矩形 2">
@@ -27810,7 +27731,7 @@
             </p:txBody>
           </p:sp>
         </mc:Choice>
-        <mc:Fallback>
+        <mc:Fallback xmlns="">
           <p:sp>
             <p:nvSpPr>
               <p:cNvPr id="3" name="矩形 2">

--- a/meeting/NIST_204_ML_DSA_08_06.pptx
+++ b/meeting/NIST_204_ML_DSA_08_06.pptx
@@ -237,7 +237,7 @@
           <a:p>
             <a:fld id="{7FA6D290-1F44-4E5A-AFA0-4DB5D7863AEB}" type="datetimeFigureOut">
               <a:rPr lang="zh-CN" altLang="en-US" smtClean="0"/>
-              <a:t>2024/10/3</a:t>
+              <a:t>2024/10/5</a:t>
             </a:fld>
             <a:endParaRPr lang="zh-CN" altLang="en-US"/>
           </a:p>
@@ -5145,7 +5145,7 @@
           <a:p>
             <a:fld id="{D997B5FA-0921-464F-AAE1-844C04324D75}" type="datetimeFigureOut">
               <a:rPr lang="zh-CN" altLang="en-US" smtClean="0"/>
-              <a:t>2024/10/3</a:t>
+              <a:t>2024/10/5</a:t>
             </a:fld>
             <a:endParaRPr lang="zh-CN" altLang="en-US"/>
           </a:p>
@@ -5313,7 +5313,7 @@
           <a:p>
             <a:fld id="{D997B5FA-0921-464F-AAE1-844C04324D75}" type="datetimeFigureOut">
               <a:rPr lang="zh-CN" altLang="en-US" smtClean="0"/>
-              <a:t>2024/10/3</a:t>
+              <a:t>2024/10/5</a:t>
             </a:fld>
             <a:endParaRPr lang="zh-CN" altLang="en-US"/>
           </a:p>
@@ -5491,7 +5491,7 @@
           <a:p>
             <a:fld id="{D997B5FA-0921-464F-AAE1-844C04324D75}" type="datetimeFigureOut">
               <a:rPr lang="zh-CN" altLang="en-US" smtClean="0"/>
-              <a:t>2024/10/3</a:t>
+              <a:t>2024/10/5</a:t>
             </a:fld>
             <a:endParaRPr lang="zh-CN" altLang="en-US"/>
           </a:p>
@@ -5749,7 +5749,7 @@
           <a:p>
             <a:fld id="{D997B5FA-0921-464F-AAE1-844C04324D75}" type="datetimeFigureOut">
               <a:rPr lang="zh-CN" altLang="en-US" smtClean="0"/>
-              <a:t>2024/10/3</a:t>
+              <a:t>2024/10/5</a:t>
             </a:fld>
             <a:endParaRPr lang="zh-CN" altLang="en-US"/>
           </a:p>
@@ -5994,7 +5994,7 @@
           <a:p>
             <a:fld id="{D997B5FA-0921-464F-AAE1-844C04324D75}" type="datetimeFigureOut">
               <a:rPr lang="zh-CN" altLang="en-US" smtClean="0"/>
-              <a:t>2024/10/3</a:t>
+              <a:t>2024/10/5</a:t>
             </a:fld>
             <a:endParaRPr lang="zh-CN" altLang="en-US"/>
           </a:p>
@@ -6223,7 +6223,7 @@
           <a:p>
             <a:fld id="{D997B5FA-0921-464F-AAE1-844C04324D75}" type="datetimeFigureOut">
               <a:rPr lang="zh-CN" altLang="en-US" smtClean="0"/>
-              <a:t>2024/10/3</a:t>
+              <a:t>2024/10/5</a:t>
             </a:fld>
             <a:endParaRPr lang="zh-CN" altLang="en-US"/>
           </a:p>
@@ -6587,7 +6587,7 @@
           <a:p>
             <a:fld id="{D997B5FA-0921-464F-AAE1-844C04324D75}" type="datetimeFigureOut">
               <a:rPr lang="zh-CN" altLang="en-US" smtClean="0"/>
-              <a:t>2024/10/3</a:t>
+              <a:t>2024/10/5</a:t>
             </a:fld>
             <a:endParaRPr lang="zh-CN" altLang="en-US"/>
           </a:p>
@@ -6771,7 +6771,7 @@
           <a:p>
             <a:fld id="{D997B5FA-0921-464F-AAE1-844C04324D75}" type="datetimeFigureOut">
               <a:rPr lang="zh-CN" altLang="en-US" smtClean="0"/>
-              <a:t>2024/10/3</a:t>
+              <a:t>2024/10/5</a:t>
             </a:fld>
             <a:endParaRPr lang="zh-CN" altLang="en-US"/>
           </a:p>
@@ -7053,7 +7053,7 @@
           <a:p>
             <a:fld id="{D997B5FA-0921-464F-AAE1-844C04324D75}" type="datetimeFigureOut">
               <a:rPr lang="zh-CN" altLang="en-US" smtClean="0"/>
-              <a:t>2024/10/3</a:t>
+              <a:t>2024/10/5</a:t>
             </a:fld>
             <a:endParaRPr lang="zh-CN" altLang="en-US"/>
           </a:p>
@@ -7267,7 +7267,7 @@
           <a:p>
             <a:fld id="{D997B5FA-0921-464F-AAE1-844C04324D75}" type="datetimeFigureOut">
               <a:rPr lang="zh-CN" altLang="en-US" smtClean="0"/>
-              <a:t>2024/10/3</a:t>
+              <a:t>2024/10/5</a:t>
             </a:fld>
             <a:endParaRPr lang="zh-CN" altLang="en-US"/>
           </a:p>
